--- a/EntreTrack/PrePersonal/Weekly Presentaion Progress/Weekly_Progress_5Jan2021.pptx
+++ b/EntreTrack/PrePersonal/Weekly Presentaion Progress/Weekly_Progress_5Jan2021.pptx
@@ -6988,7 +6988,7 @@
         <p:spPr/>
         <p:txBody>
           <a:bodyPr>
-            <a:normAutofit fontScale="62500" lnSpcReduction="20000"/>
+            <a:normAutofit fontScale="55000" lnSpcReduction="20000"/>
           </a:bodyPr>
           <a:lstStyle/>
           <a:p>
@@ -7428,9 +7428,30 @@
           </a:p>
           <a:p>
             <a:r>
+              <a:rPr lang="id-ID" dirty="0">
+                <a:hlinkClick r:id="rId5"/>
+              </a:rPr>
+              <a:t>https://www.prettylittlething.com/about</a:t>
+            </a:r>
+            <a:r>
               <a:rPr lang="id-ID" dirty="0"/>
-              <a:t>https://www.prettylittlething.com/about</a:t>
-            </a:r>
+              <a:t> </a:t>
+            </a:r>
+          </a:p>
+          <a:p>
+            <a:r>
+              <a:rPr lang="id-ID" dirty="0">
+                <a:hlinkClick r:id="rId6"/>
+              </a:rPr>
+              <a:t>https://www.tokopedia.com/gmicsshop/cover-baju-jas-gaun-peva-anti-air-pelindung-baju-jas-gaun-anti-debu-120-x-60?src=topads</a:t>
+            </a:r>
+            <a:r>
+              <a:rPr lang="id-ID" dirty="0"/>
+              <a:t> </a:t>
+            </a:r>
+          </a:p>
+          <a:p>
+            <a:endParaRPr lang="id-ID" dirty="0"/>
           </a:p>
         </p:txBody>
       </p:sp>

--- a/EntreTrack/PrePersonal/Weekly Presentaion Progress/Weekly_Progress_5Jan2021.pptx
+++ b/EntreTrack/PrePersonal/Weekly Presentaion Progress/Weekly_Progress_5Jan2021.pptx
@@ -9,10 +9,11 @@
     <p:sldId id="257" r:id="rId6"/>
     <p:sldId id="270" r:id="rId7"/>
     <p:sldId id="271" r:id="rId8"/>
-    <p:sldId id="272" r:id="rId9"/>
-    <p:sldId id="273" r:id="rId10"/>
-    <p:sldId id="269" r:id="rId11"/>
-    <p:sldId id="268" r:id="rId12"/>
+    <p:sldId id="274" r:id="rId9"/>
+    <p:sldId id="272" r:id="rId10"/>
+    <p:sldId id="273" r:id="rId11"/>
+    <p:sldId id="269" r:id="rId12"/>
+    <p:sldId id="268" r:id="rId13"/>
   </p:sldIdLst>
   <p:sldSz cx="12192000" cy="6858000"/>
   <p:notesSz cx="6858000" cy="9144000"/>
@@ -841,7 +842,7 @@
           <a:p>
             <a:fld id="{56BA7458-FC3F-484A-9A89-F279F47D57E9}" type="datetimeFigureOut">
               <a:rPr lang="en-US" smtClean="0"/>
-              <a:t>1/4/2021</a:t>
+              <a:t>1/11/2021</a:t>
             </a:fld>
             <a:endParaRPr lang="en-US"/>
           </a:p>
@@ -1092,7 +1093,7 @@
           <a:p>
             <a:fld id="{56BA7458-FC3F-484A-9A89-F279F47D57E9}" type="datetimeFigureOut">
               <a:rPr lang="en-US" smtClean="0"/>
-              <a:t>1/4/2021</a:t>
+              <a:t>1/11/2021</a:t>
             </a:fld>
             <a:endParaRPr lang="en-US"/>
           </a:p>
@@ -1406,7 +1407,7 @@
           <a:p>
             <a:fld id="{56BA7458-FC3F-484A-9A89-F279F47D57E9}" type="datetimeFigureOut">
               <a:rPr lang="en-US" smtClean="0"/>
-              <a:t>1/4/2021</a:t>
+              <a:t>1/11/2021</a:t>
             </a:fld>
             <a:endParaRPr lang="en-US"/>
           </a:p>
@@ -1747,7 +1748,7 @@
           <a:p>
             <a:fld id="{56BA7458-FC3F-484A-9A89-F279F47D57E9}" type="datetimeFigureOut">
               <a:rPr lang="en-US" smtClean="0"/>
-              <a:t>1/4/2021</a:t>
+              <a:t>1/11/2021</a:t>
             </a:fld>
             <a:endParaRPr lang="en-US"/>
           </a:p>
@@ -2061,7 +2062,7 @@
           <a:p>
             <a:fld id="{56BA7458-FC3F-484A-9A89-F279F47D57E9}" type="datetimeFigureOut">
               <a:rPr lang="en-US" smtClean="0"/>
-              <a:t>1/4/2021</a:t>
+              <a:t>1/11/2021</a:t>
             </a:fld>
             <a:endParaRPr lang="en-US"/>
           </a:p>
@@ -2454,7 +2455,7 @@
           <a:p>
             <a:fld id="{56BA7458-FC3F-484A-9A89-F279F47D57E9}" type="datetimeFigureOut">
               <a:rPr lang="en-US" smtClean="0"/>
-              <a:t>1/4/2021</a:t>
+              <a:t>1/11/2021</a:t>
             </a:fld>
             <a:endParaRPr lang="en-US"/>
           </a:p>
@@ -2624,7 +2625,7 @@
           <a:p>
             <a:fld id="{56BA7458-FC3F-484A-9A89-F279F47D57E9}" type="datetimeFigureOut">
               <a:rPr lang="en-US" smtClean="0"/>
-              <a:t>1/4/2021</a:t>
+              <a:t>1/11/2021</a:t>
             </a:fld>
             <a:endParaRPr lang="en-US"/>
           </a:p>
@@ -2804,7 +2805,7 @@
           <a:p>
             <a:fld id="{56BA7458-FC3F-484A-9A89-F279F47D57E9}" type="datetimeFigureOut">
               <a:rPr lang="en-US" smtClean="0"/>
-              <a:t>1/4/2021</a:t>
+              <a:t>1/11/2021</a:t>
             </a:fld>
             <a:endParaRPr lang="en-US"/>
           </a:p>
@@ -2980,7 +2981,7 @@
           <a:p>
             <a:fld id="{56BA7458-FC3F-484A-9A89-F279F47D57E9}" type="datetimeFigureOut">
               <a:rPr lang="en-US" smtClean="0"/>
-              <a:t>1/4/2021</a:t>
+              <a:t>1/11/2021</a:t>
             </a:fld>
             <a:endParaRPr lang="en-US"/>
           </a:p>
@@ -3227,7 +3228,7 @@
           <a:p>
             <a:fld id="{56BA7458-FC3F-484A-9A89-F279F47D57E9}" type="datetimeFigureOut">
               <a:rPr lang="en-US" smtClean="0"/>
-              <a:t>1/4/2021</a:t>
+              <a:t>1/11/2021</a:t>
             </a:fld>
             <a:endParaRPr lang="en-US"/>
           </a:p>
@@ -3459,7 +3460,7 @@
           <a:p>
             <a:fld id="{56BA7458-FC3F-484A-9A89-F279F47D57E9}" type="datetimeFigureOut">
               <a:rPr lang="en-US" smtClean="0"/>
-              <a:t>1/4/2021</a:t>
+              <a:t>1/11/2021</a:t>
             </a:fld>
             <a:endParaRPr lang="en-US"/>
           </a:p>
@@ -3833,7 +3834,7 @@
           <a:p>
             <a:fld id="{56BA7458-FC3F-484A-9A89-F279F47D57E9}" type="datetimeFigureOut">
               <a:rPr lang="en-US" smtClean="0"/>
-              <a:t>1/4/2021</a:t>
+              <a:t>1/11/2021</a:t>
             </a:fld>
             <a:endParaRPr lang="en-US"/>
           </a:p>
@@ -3956,7 +3957,7 @@
           <a:p>
             <a:fld id="{56BA7458-FC3F-484A-9A89-F279F47D57E9}" type="datetimeFigureOut">
               <a:rPr lang="en-US" smtClean="0"/>
-              <a:t>1/4/2021</a:t>
+              <a:t>1/11/2021</a:t>
             </a:fld>
             <a:endParaRPr lang="en-US"/>
           </a:p>
@@ -4051,7 +4052,7 @@
           <a:p>
             <a:fld id="{56BA7458-FC3F-484A-9A89-F279F47D57E9}" type="datetimeFigureOut">
               <a:rPr lang="en-US" smtClean="0"/>
-              <a:t>1/4/2021</a:t>
+              <a:t>1/11/2021</a:t>
             </a:fld>
             <a:endParaRPr lang="en-US"/>
           </a:p>
@@ -4306,7 +4307,7 @@
           <a:p>
             <a:fld id="{56BA7458-FC3F-484A-9A89-F279F47D57E9}" type="datetimeFigureOut">
               <a:rPr lang="en-US" smtClean="0"/>
-              <a:t>1/4/2021</a:t>
+              <a:t>1/11/2021</a:t>
             </a:fld>
             <a:endParaRPr lang="en-US"/>
           </a:p>
@@ -4569,7 +4570,7 @@
           <a:p>
             <a:fld id="{56BA7458-FC3F-484A-9A89-F279F47D57E9}" type="datetimeFigureOut">
               <a:rPr lang="en-US" smtClean="0"/>
-              <a:t>1/4/2021</a:t>
+              <a:t>1/11/2021</a:t>
             </a:fld>
             <a:endParaRPr lang="en-US"/>
           </a:p>
@@ -5312,7 +5313,7 @@
           <a:p>
             <a:fld id="{56BA7458-FC3F-484A-9A89-F279F47D57E9}" type="datetimeFigureOut">
               <a:rPr lang="en-US" smtClean="0"/>
-              <a:t>1/4/2021</a:t>
+              <a:t>1/11/2021</a:t>
             </a:fld>
             <a:endParaRPr lang="en-US"/>
           </a:p>
@@ -6632,6 +6633,98 @@
           <p:cNvPr id="2" name="Judul 1">
             <a:extLst>
               <a:ext uri="{FF2B5EF4-FFF2-40B4-BE49-F238E27FC236}">
+                <a16:creationId xmlns:a16="http://schemas.microsoft.com/office/drawing/2014/main" id="{C8B00A2C-D8D8-4F08-BE2D-D3D85E5ACE3E}"/>
+              </a:ext>
+            </a:extLst>
+          </p:cNvPr>
+          <p:cNvSpPr>
+            <a:spLocks noGrp="1"/>
+          </p:cNvSpPr>
+          <p:nvPr>
+            <p:ph type="title"/>
+          </p:nvPr>
+        </p:nvSpPr>
+        <p:spPr/>
+        <p:txBody>
+          <a:bodyPr/>
+          <a:lstStyle/>
+          <a:p>
+            <a:r>
+              <a:rPr lang="id-ID" dirty="0" err="1"/>
+              <a:t>App</a:t>
+            </a:r>
+            <a:endParaRPr lang="id-ID" dirty="0"/>
+          </a:p>
+        </p:txBody>
+      </p:sp>
+      <p:sp>
+        <p:nvSpPr>
+          <p:cNvPr id="3" name="Tampungan Konten 2">
+            <a:extLst>
+              <a:ext uri="{FF2B5EF4-FFF2-40B4-BE49-F238E27FC236}">
+                <a16:creationId xmlns:a16="http://schemas.microsoft.com/office/drawing/2014/main" id="{377AE926-7857-43C2-B31E-545E5B45BF95}"/>
+              </a:ext>
+            </a:extLst>
+          </p:cNvPr>
+          <p:cNvSpPr>
+            <a:spLocks noGrp="1"/>
+          </p:cNvSpPr>
+          <p:nvPr>
+            <p:ph idx="1"/>
+          </p:nvPr>
+        </p:nvSpPr>
+        <p:spPr/>
+        <p:txBody>
+          <a:bodyPr/>
+          <a:lstStyle/>
+          <a:p>
+            <a:r>
+              <a:rPr lang="id-ID" dirty="0"/>
+              <a:t>Pilihan </a:t>
+            </a:r>
+            <a:r>
+              <a:rPr lang="id-ID"/>
+              <a:t>minigame</a:t>
+            </a:r>
+            <a:endParaRPr lang="id-ID" dirty="0"/>
+          </a:p>
+        </p:txBody>
+      </p:sp>
+    </p:spTree>
+    <p:extLst>
+      <p:ext uri="{BB962C8B-B14F-4D97-AF65-F5344CB8AC3E}">
+        <p14:creationId xmlns:p14="http://schemas.microsoft.com/office/powerpoint/2010/main" val="2398044337"/>
+      </p:ext>
+    </p:extLst>
+  </p:cSld>
+  <p:clrMapOvr>
+    <a:masterClrMapping/>
+  </p:clrMapOvr>
+</p:sld>
+</file>
+
+<file path=ppt/slides/slide6.xml><?xml version="1.0" encoding="utf-8"?>
+<p:sld xmlns:a="http://schemas.openxmlformats.org/drawingml/2006/main" xmlns:r="http://schemas.openxmlformats.org/officeDocument/2006/relationships" xmlns:p="http://schemas.openxmlformats.org/presentationml/2006/main">
+  <p:cSld>
+    <p:spTree>
+      <p:nvGrpSpPr>
+        <p:cNvPr id="1" name=""/>
+        <p:cNvGrpSpPr/>
+        <p:nvPr/>
+      </p:nvGrpSpPr>
+      <p:grpSpPr>
+        <a:xfrm>
+          <a:off x="0" y="0"/>
+          <a:ext cx="0" cy="0"/>
+          <a:chOff x="0" y="0"/>
+          <a:chExt cx="0" cy="0"/>
+        </a:xfrm>
+      </p:grpSpPr>
+      <p:sp>
+        <p:nvSpPr>
+          <p:cNvPr id="2" name="Judul 1">
+            <a:extLst>
+              <a:ext uri="{FF2B5EF4-FFF2-40B4-BE49-F238E27FC236}">
                 <a16:creationId xmlns:a16="http://schemas.microsoft.com/office/drawing/2014/main" id="{444338CC-0928-4AA4-AF6D-8DCAFAE1E2E2}"/>
               </a:ext>
             </a:extLst>
@@ -6924,7 +7017,7 @@
 </p:sld>
 </file>
 
-<file path=ppt/slides/slide6.xml><?xml version="1.0" encoding="utf-8"?>
+<file path=ppt/slides/slide7.xml><?xml version="1.0" encoding="utf-8"?>
 <p:sld xmlns:a="http://schemas.openxmlformats.org/drawingml/2006/main" xmlns:r="http://schemas.openxmlformats.org/officeDocument/2006/relationships" xmlns:p="http://schemas.openxmlformats.org/presentationml/2006/main">
   <p:cSld>
     <p:spTree>
@@ -7468,7 +7561,7 @@
 </p:sld>
 </file>
 
-<file path=ppt/slides/slide7.xml><?xml version="1.0" encoding="utf-8"?>
+<file path=ppt/slides/slide8.xml><?xml version="1.0" encoding="utf-8"?>
 <p:sld xmlns:a="http://schemas.openxmlformats.org/drawingml/2006/main" xmlns:r="http://schemas.openxmlformats.org/officeDocument/2006/relationships" xmlns:p="http://schemas.openxmlformats.org/presentationml/2006/main" show="0">
   <p:cSld>
     <p:spTree>
@@ -7633,7 +7726,7 @@
 </p:sld>
 </file>
 
-<file path=ppt/slides/slide8.xml><?xml version="1.0" encoding="utf-8"?>
+<file path=ppt/slides/slide9.xml><?xml version="1.0" encoding="utf-8"?>
 <p:sld xmlns:a="http://schemas.openxmlformats.org/drawingml/2006/main" xmlns:r="http://schemas.openxmlformats.org/officeDocument/2006/relationships" xmlns:p="http://schemas.openxmlformats.org/presentationml/2006/main" show="0">
   <p:cSld>
     <p:spTree>
@@ -8098,21 +8191,6 @@
 </file>
 
 <file path=customXml/item1.xml><?xml version="1.0" encoding="utf-8"?>
-<p:properties xmlns:p="http://schemas.microsoft.com/office/2006/metadata/properties" xmlns:xsi="http://www.w3.org/2001/XMLSchema-instance" xmlns:pc="http://schemas.microsoft.com/office/infopath/2007/PartnerControls">
-  <documentManagement/>
-</p:properties>
-</file>
-
-<file path=customXml/item2.xml><?xml version="1.0" encoding="utf-8"?>
-<?mso-contentType ?>
-<FormTemplates xmlns="http://schemas.microsoft.com/sharepoint/v3/contenttype/forms">
-  <Display>DocumentLibraryForm</Display>
-  <Edit>DocumentLibraryForm</Edit>
-  <New>DocumentLibraryForm</New>
-</FormTemplates>
-</file>
-
-<file path=customXml/item3.xml><?xml version="1.0" encoding="utf-8"?>
 <ct:contentTypeSchema xmlns:ct="http://schemas.microsoft.com/office/2006/metadata/contentType" xmlns:ma="http://schemas.microsoft.com/office/2006/metadata/properties/metaAttributes" ct:_="" ma:_="" ma:contentTypeName="Document" ma:contentTypeID="0x010100E353671343AF8F41A1AAD17493FE9F87" ma:contentTypeVersion="7" ma:contentTypeDescription="Create a new document." ma:contentTypeScope="" ma:versionID="b764abed75c46097a7658d95d6d0efcc">
   <xsd:schema xmlns:xsd="http://www.w3.org/2001/XMLSchema" xmlns:xs="http://www.w3.org/2001/XMLSchema" xmlns:p="http://schemas.microsoft.com/office/2006/metadata/properties" xmlns:ns2="2152d0fa-d006-4562-870d-16af17b21579" targetNamespace="http://schemas.microsoft.com/office/2006/metadata/properties" ma:root="true" ma:fieldsID="5bcd6043779fa53e6a34d3ef355a2307" ns2:_="">
     <xsd:import namespace="2152d0fa-d006-4562-870d-16af17b21579"/>
@@ -8276,24 +8354,22 @@
 </ct:contentTypeSchema>
 </file>
 
-<file path=customXml/itemProps1.xml><?xml version="1.0" encoding="utf-8"?>
-<ds:datastoreItem xmlns:ds="http://schemas.openxmlformats.org/officeDocument/2006/customXml" ds:itemID="{03C5BFFE-FCAE-4894-8497-22C3845704DC}">
-  <ds:schemaRefs>
-    <ds:schemaRef ds:uri="http://schemas.microsoft.com/office/2006/metadata/properties"/>
-    <ds:schemaRef ds:uri="http://schemas.microsoft.com/office/infopath/2007/PartnerControls"/>
-  </ds:schemaRefs>
-</ds:datastoreItem>
+<file path=customXml/item2.xml><?xml version="1.0" encoding="utf-8"?>
+<?mso-contentType ?>
+<FormTemplates xmlns="http://schemas.microsoft.com/sharepoint/v3/contenttype/forms">
+  <Display>DocumentLibraryForm</Display>
+  <Edit>DocumentLibraryForm</Edit>
+  <New>DocumentLibraryForm</New>
+</FormTemplates>
 </file>
 
-<file path=customXml/itemProps2.xml><?xml version="1.0" encoding="utf-8"?>
-<ds:datastoreItem xmlns:ds="http://schemas.openxmlformats.org/officeDocument/2006/customXml" ds:itemID="{74B1BB09-2B7A-4711-A249-517BAA4B2956}">
-  <ds:schemaRefs>
-    <ds:schemaRef ds:uri="http://schemas.microsoft.com/sharepoint/v3/contenttype/forms"/>
-  </ds:schemaRefs>
-</ds:datastoreItem>
+<file path=customXml/item3.xml><?xml version="1.0" encoding="utf-8"?>
+<p:properties xmlns:p="http://schemas.microsoft.com/office/2006/metadata/properties" xmlns:xsi="http://www.w3.org/2001/XMLSchema-instance" xmlns:pc="http://schemas.microsoft.com/office/infopath/2007/PartnerControls">
+  <documentManagement/>
+</p:properties>
 </file>
 
-<file path=customXml/itemProps3.xml><?xml version="1.0" encoding="utf-8"?>
+<file path=customXml/itemProps1.xml><?xml version="1.0" encoding="utf-8"?>
 <ds:datastoreItem xmlns:ds="http://schemas.openxmlformats.org/officeDocument/2006/customXml" ds:itemID="{14183889-EE53-45D0-8907-C0C2A1D8C131}">
   <ds:schemaRefs>
     <ds:schemaRef ds:uri="http://schemas.microsoft.com/office/2006/metadata/contentType"/>
@@ -8309,4 +8385,21 @@
     <ds:schemaRef ds:uri="http://schemas.microsoft.com/internal/obd"/>
   </ds:schemaRefs>
 </ds:datastoreItem>
+</file>
+
+<file path=customXml/itemProps2.xml><?xml version="1.0" encoding="utf-8"?>
+<ds:datastoreItem xmlns:ds="http://schemas.openxmlformats.org/officeDocument/2006/customXml" ds:itemID="{74B1BB09-2B7A-4711-A249-517BAA4B2956}">
+  <ds:schemaRefs>
+    <ds:schemaRef ds:uri="http://schemas.microsoft.com/sharepoint/v3/contenttype/forms"/>
+  </ds:schemaRefs>
+</ds:datastoreItem>
+</file>
+
+<file path=customXml/itemProps3.xml><?xml version="1.0" encoding="utf-8"?>
+<ds:datastoreItem xmlns:ds="http://schemas.openxmlformats.org/officeDocument/2006/customXml" ds:itemID="{03C5BFFE-FCAE-4894-8497-22C3845704DC}">
+  <ds:schemaRefs>
+    <ds:schemaRef ds:uri="http://schemas.microsoft.com/office/2006/metadata/properties"/>
+    <ds:schemaRef ds:uri="http://schemas.microsoft.com/office/infopath/2007/PartnerControls"/>
+  </ds:schemaRefs>
+</ds:datastoreItem>
 </file>